--- a/IMS.pptx
+++ b/IMS.pptx
@@ -7744,7 +7744,7 @@
         </p:nvSpPr>
         <p:spPr bwMode="auto">
           <a:xfrm>
-            <a:off x="457200" y="1600200"/>
+            <a:off x="457200" y="1630766"/>
             <a:ext cx="8229600" cy="4852988"/>
           </a:xfrm>
           <a:prstGeom prst="rect">
@@ -10285,7 +10285,7 @@
         </p:nvSpPr>
         <p:spPr bwMode="auto">
           <a:xfrm>
-            <a:off x="5443177" y="5403056"/>
+            <a:off x="5348869" y="5864678"/>
             <a:ext cx="3773636" cy="1139825"/>
           </a:xfrm>
           <a:prstGeom prst="rect">
@@ -10521,6 +10521,71 @@
           </a:p>
         </p:txBody>
       </p:sp>
+      <p:pic>
+        <p:nvPicPr>
+          <p:cNvPr id="16" name="圖片 15">
+            <a:extLst>
+              <a:ext uri="{FF2B5EF4-FFF2-40B4-BE49-F238E27FC236}">
+                <a16:creationId xmlns:a16="http://schemas.microsoft.com/office/drawing/2014/main" id="{DAF33DC1-DF4A-A5D9-9BDB-B61C93D6AB5B}"/>
+              </a:ext>
+            </a:extLst>
+          </p:cNvPr>
+          <p:cNvPicPr>
+            <a:picLocks noChangeAspect="1"/>
+          </p:cNvPicPr>
+          <p:nvPr/>
+        </p:nvPicPr>
+        <p:blipFill>
+          <a:blip r:embed="rId7"/>
+          <a:stretch>
+            <a:fillRect/>
+          </a:stretch>
+        </p:blipFill>
+        <p:spPr>
+          <a:xfrm>
+            <a:off x="6021679" y="3589468"/>
+            <a:ext cx="2301820" cy="2275210"/>
+          </a:xfrm>
+          <a:prstGeom prst="rect">
+            <a:avLst/>
+          </a:prstGeom>
+        </p:spPr>
+      </p:pic>
+      <p:pic>
+        <p:nvPicPr>
+          <p:cNvPr id="18" name="圖片 17">
+            <a:extLst>
+              <a:ext uri="{FF2B5EF4-FFF2-40B4-BE49-F238E27FC236}">
+                <a16:creationId xmlns:a16="http://schemas.microsoft.com/office/drawing/2014/main" id="{FED59AA8-8E83-288A-4D17-C0EC9A091C06}"/>
+              </a:ext>
+            </a:extLst>
+          </p:cNvPr>
+          <p:cNvPicPr>
+            <a:picLocks noChangeAspect="1"/>
+          </p:cNvPicPr>
+          <p:nvPr/>
+        </p:nvPicPr>
+        <p:blipFill>
+          <a:blip r:embed="rId8"/>
+          <a:stretch>
+            <a:fillRect/>
+          </a:stretch>
+        </p:blipFill>
+        <p:spPr>
+          <a:xfrm>
+            <a:off x="7620000" y="4382771"/>
+            <a:ext cx="1391390" cy="1005112"/>
+          </a:xfrm>
+          <a:prstGeom prst="rect">
+            <a:avLst/>
+          </a:prstGeom>
+          <a:ln>
+            <a:solidFill>
+              <a:schemeClr val="tx1"/>
+            </a:solidFill>
+          </a:ln>
+        </p:spPr>
+      </p:pic>
     </p:spTree>
     <p:extLst>
       <p:ext uri="{BB962C8B-B14F-4D97-AF65-F5344CB8AC3E}">
@@ -19395,8 +19460,8 @@
           </a:extLst>
         </p:spPr>
       </p:cxnSp>
-      <mc:AlternateContent xmlns:mc="http://schemas.openxmlformats.org/markup-compatibility/2006">
-        <mc:Choice xmlns:a14="http://schemas.microsoft.com/office/drawing/2010/main" Requires="a14">
+      <mc:AlternateContent xmlns:mc="http://schemas.openxmlformats.org/markup-compatibility/2006" xmlns:a14="http://schemas.microsoft.com/office/drawing/2010/main">
+        <mc:Choice Requires="a14">
           <p:sp>
             <p:nvSpPr>
               <p:cNvPr id="16" name="文字方塊 15">
@@ -19504,7 +19569,7 @@
             </p:txBody>
           </p:sp>
         </mc:Choice>
-        <mc:Fallback>
+        <mc:Fallback xmlns="">
           <p:sp>
             <p:nvSpPr>
               <p:cNvPr id="16" name="文字方塊 15">

--- a/IMS.pptx
+++ b/IMS.pptx
@@ -11246,8 +11246,8 @@
         </p:nvSpPr>
         <p:spPr bwMode="auto">
           <a:xfrm>
-            <a:off x="388218" y="5292521"/>
-            <a:ext cx="3031654" cy="900336"/>
+            <a:off x="388218" y="5292520"/>
+            <a:ext cx="3031654" cy="1160667"/>
           </a:xfrm>
           <a:prstGeom prst="rect">
             <a:avLst/>
@@ -11485,18 +11485,27 @@
               <a:buNone/>
             </a:pPr>
             <a:r>
-              <a:rPr lang="en-US" altLang="zh-TW" sz="1800" dirty="0">
-                <a:solidFill>
-                  <a:srgbClr val="FF0000"/>
-                </a:solidFill>
-              </a:rPr>
-              <a:t>LEAKAGE!!!</a:t>
+              <a:rPr lang="en-US" altLang="zh-TW" sz="1800" dirty="0"/>
+              <a:t>LEAKAGE</a:t>
             </a:r>
-            <a:endParaRPr lang="en-US" altLang="zh-TW" sz="1600" dirty="0">
-              <a:solidFill>
-                <a:srgbClr val="FF0000"/>
-              </a:solidFill>
-            </a:endParaRPr>
+            <a:r>
+              <a:rPr lang="zh-TW" altLang="en-US" sz="1800" dirty="0"/>
+              <a:t> </a:t>
+            </a:r>
+            <a:r>
+              <a:rPr lang="en-US" altLang="zh-TW" sz="1800" dirty="0"/>
+              <a:t>!</a:t>
+            </a:r>
+          </a:p>
+          <a:p>
+            <a:pPr marL="0" indent="0" algn="ctr">
+              <a:buNone/>
+            </a:pPr>
+            <a:r>
+              <a:rPr lang="en-US" altLang="zh-TW" sz="1800" b="0" dirty="0"/>
+              <a:t>Large area</a:t>
+            </a:r>
+            <a:endParaRPr lang="en-US" altLang="zh-TW" sz="1600" b="0" dirty="0"/>
           </a:p>
         </p:txBody>
       </p:sp>
@@ -11807,8 +11816,8 @@
         </p:nvSpPr>
         <p:spPr bwMode="auto">
           <a:xfrm>
-            <a:off x="4171247" y="5257800"/>
-            <a:ext cx="2304256" cy="763488"/>
+            <a:off x="4171247" y="5257799"/>
+            <a:ext cx="2304256" cy="1228059"/>
           </a:xfrm>
           <a:prstGeom prst="rect">
             <a:avLst/>
@@ -12048,6 +12057,15 @@
             <a:r>
               <a:rPr lang="en-US" altLang="zh-TW" sz="1800" b="0" dirty="0"/>
               <a:t>Low leakage</a:t>
+            </a:r>
+          </a:p>
+          <a:p>
+            <a:pPr marL="0" indent="0" algn="ctr">
+              <a:buNone/>
+            </a:pPr>
+            <a:r>
+              <a:rPr lang="en-US" altLang="zh-TW" sz="1800" b="0" dirty="0"/>
+              <a:t>Compact area</a:t>
             </a:r>
           </a:p>
         </p:txBody>
@@ -12447,7 +12465,7 @@
         <p:spPr bwMode="auto">
           <a:xfrm>
             <a:off x="6475502" y="5257800"/>
-            <a:ext cx="2560993" cy="763488"/>
+            <a:ext cx="2560993" cy="1228058"/>
           </a:xfrm>
           <a:prstGeom prst="rect">
             <a:avLst/>
@@ -12687,6 +12705,15 @@
             <a:r>
               <a:rPr lang="en-US" altLang="zh-TW" sz="1800" b="0" dirty="0"/>
               <a:t>Acceptable leakage</a:t>
+            </a:r>
+          </a:p>
+          <a:p>
+            <a:pPr marL="0" indent="0" algn="ctr">
+              <a:buNone/>
+            </a:pPr>
+            <a:r>
+              <a:rPr lang="en-US" altLang="zh-TW" sz="1800" b="0" dirty="0"/>
+              <a:t>Compact area</a:t>
             </a:r>
           </a:p>
         </p:txBody>
@@ -18566,7 +18593,7 @@
         </p:nvSpPr>
         <p:spPr bwMode="auto">
           <a:xfrm>
-            <a:off x="3162165" y="5783918"/>
+            <a:off x="3144310" y="5966061"/>
             <a:ext cx="1247322" cy="583258"/>
           </a:xfrm>
           <a:prstGeom prst="rect">
@@ -18771,7 +18798,7 @@
             </a:pPr>
             <a:r>
               <a:rPr lang="en-US" altLang="zh-TW" sz="1600" b="0" dirty="0"/>
-              <a:t>&gt;0 : 50%</a:t>
+              <a:t>&gt; : 50%</a:t>
             </a:r>
           </a:p>
           <a:p>
@@ -18780,7 +18807,7 @@
             </a:pPr>
             <a:r>
               <a:rPr lang="en-US" altLang="zh-TW" sz="1600" b="0" dirty="0"/>
-              <a:t>&lt;0 : 50%</a:t>
+              <a:t>&lt; : 50%</a:t>
             </a:r>
           </a:p>
         </p:txBody>

--- a/IMS.pptx
+++ b/IMS.pptx
@@ -19487,8 +19487,8 @@
           </a:extLst>
         </p:spPr>
       </p:cxnSp>
-      <mc:AlternateContent xmlns:mc="http://schemas.openxmlformats.org/markup-compatibility/2006" xmlns:a14="http://schemas.microsoft.com/office/drawing/2010/main">
-        <mc:Choice Requires="a14">
+      <mc:AlternateContent xmlns:mc="http://schemas.openxmlformats.org/markup-compatibility/2006">
+        <mc:Choice xmlns:a14="http://schemas.microsoft.com/office/drawing/2010/main" Requires="a14">
           <p:sp>
             <p:nvSpPr>
               <p:cNvPr id="16" name="文字方塊 15">
@@ -19503,7 +19503,7 @@
             </p:nvSpPr>
             <p:spPr>
               <a:xfrm>
-                <a:off x="2944355" y="5509998"/>
+                <a:off x="2808778" y="5392946"/>
                 <a:ext cx="2428614" cy="276999"/>
               </a:xfrm>
               <a:prstGeom prst="rect">
@@ -19596,7 +19596,7 @@
             </p:txBody>
           </p:sp>
         </mc:Choice>
-        <mc:Fallback xmlns="">
+        <mc:Fallback>
           <p:sp>
             <p:nvSpPr>
               <p:cNvPr id="16" name="文字方塊 15">
@@ -19613,7 +19613,7 @@
             </p:nvSpPr>
             <p:spPr>
               <a:xfrm>
-                <a:off x="2944355" y="5509998"/>
+                <a:off x="2808778" y="5392946"/>
                 <a:ext cx="2428614" cy="276999"/>
               </a:xfrm>
               <a:prstGeom prst="rect">
@@ -19655,7 +19655,7 @@
         </p:nvSpPr>
         <p:spPr>
           <a:xfrm>
-            <a:off x="2810301" y="5758837"/>
+            <a:off x="2674724" y="5641785"/>
             <a:ext cx="2658988" cy="646331"/>
           </a:xfrm>
           <a:prstGeom prst="rect">

--- a/IMS.pptx
+++ b/IMS.pptx
@@ -17860,7 +17860,7 @@
         </p:blipFill>
         <p:spPr>
           <a:xfrm>
-            <a:off x="611560" y="2388959"/>
+            <a:off x="611560" y="2533109"/>
             <a:ext cx="8172400" cy="1714186"/>
           </a:xfrm>
           <a:prstGeom prst="rect">
@@ -17924,7 +17924,9 @@
             <a:schemeClr val="bg1"/>
           </a:solidFill>
           <a:ln>
-            <a:noFill/>
+            <a:solidFill>
+              <a:schemeClr val="tx1"/>
+            </a:solidFill>
           </a:ln>
           <a:effectLst/>
         </p:spPr>
@@ -18593,8 +18595,8 @@
         </p:nvSpPr>
         <p:spPr bwMode="auto">
           <a:xfrm>
-            <a:off x="3144310" y="5966061"/>
-            <a:ext cx="1247322" cy="583258"/>
+            <a:off x="3275856" y="5966061"/>
+            <a:ext cx="1115776" cy="583258"/>
           </a:xfrm>
           <a:prstGeom prst="rect">
             <a:avLst/>
@@ -18602,8 +18604,10 @@
           <a:solidFill>
             <a:schemeClr val="bg1"/>
           </a:solidFill>
-          <a:ln>
-            <a:noFill/>
+          <a:ln w="19050">
+            <a:solidFill>
+              <a:srgbClr val="00B0F0"/>
+            </a:solidFill>
           </a:ln>
           <a:effectLst/>
         </p:spPr>
@@ -18809,6 +18813,126 @@
               <a:rPr lang="en-US" altLang="zh-TW" sz="1600" b="0" dirty="0"/>
               <a:t>&lt; : 50%</a:t>
             </a:r>
+          </a:p>
+        </p:txBody>
+      </p:sp>
+      <p:cxnSp>
+        <p:nvCxnSpPr>
+          <p:cNvPr id="3" name="直線單箭頭接點 2">
+            <a:extLst>
+              <a:ext uri="{FF2B5EF4-FFF2-40B4-BE49-F238E27FC236}">
+                <a16:creationId xmlns:a16="http://schemas.microsoft.com/office/drawing/2014/main" id="{01F273C5-C7D1-318A-2584-177A9114CB77}"/>
+              </a:ext>
+            </a:extLst>
+          </p:cNvPr>
+          <p:cNvCxnSpPr>
+            <a:cxnSpLocks/>
+            <a:stCxn id="6" idx="3"/>
+            <a:endCxn id="38" idx="1"/>
+          </p:cNvCxnSpPr>
+          <p:nvPr/>
+        </p:nvCxnSpPr>
+        <p:spPr bwMode="auto">
+          <a:xfrm flipV="1">
+            <a:off x="2850057" y="6257690"/>
+            <a:ext cx="425799" cy="94477"/>
+          </a:xfrm>
+          <a:prstGeom prst="straightConnector1">
+            <a:avLst/>
+          </a:prstGeom>
+          <a:solidFill>
+            <a:schemeClr val="accent1"/>
+          </a:solidFill>
+          <a:ln w="28575" cap="flat" cmpd="sng" algn="ctr">
+            <a:solidFill>
+              <a:srgbClr val="00B0F0"/>
+            </a:solidFill>
+            <a:prstDash val="solid"/>
+            <a:round/>
+            <a:headEnd type="none" w="med" len="med"/>
+            <a:tailEnd type="triangle"/>
+          </a:ln>
+          <a:effectLst/>
+          <a:extLst>
+            <a:ext uri="{AF507438-7753-43E0-B8FC-AC1667EBCBE1}">
+              <a14:hiddenEffects xmlns:a14="http://schemas.microsoft.com/office/drawing/2010/main">
+                <a:effectLst>
+                  <a:outerShdw dist="35921" dir="2700000" algn="ctr" rotWithShape="0">
+                    <a:schemeClr val="bg2"/>
+                  </a:outerShdw>
+                </a:effectLst>
+              </a14:hiddenEffects>
+            </a:ext>
+          </a:extLst>
+        </p:spPr>
+      </p:cxnSp>
+      <p:sp>
+        <p:nvSpPr>
+          <p:cNvPr id="6" name="矩形 5">
+            <a:extLst>
+              <a:ext uri="{FF2B5EF4-FFF2-40B4-BE49-F238E27FC236}">
+                <a16:creationId xmlns:a16="http://schemas.microsoft.com/office/drawing/2014/main" id="{549699F4-09A3-A343-C274-A79FA535CDAF}"/>
+              </a:ext>
+            </a:extLst>
+          </p:cNvPr>
+          <p:cNvSpPr/>
+          <p:nvPr/>
+        </p:nvSpPr>
+        <p:spPr bwMode="auto">
+          <a:xfrm>
+            <a:off x="1107766" y="6201616"/>
+            <a:ext cx="1742291" cy="301102"/>
+          </a:xfrm>
+          <a:prstGeom prst="rect">
+            <a:avLst/>
+          </a:prstGeom>
+          <a:noFill/>
+          <a:ln w="28575" cap="flat" cmpd="sng" algn="ctr">
+            <a:solidFill>
+              <a:srgbClr val="00B0F0"/>
+            </a:solidFill>
+            <a:prstDash val="sysDash"/>
+            <a:round/>
+            <a:headEnd type="none" w="med" len="med"/>
+            <a:tailEnd type="none" w="med" len="med"/>
+          </a:ln>
+          <a:effectLst/>
+        </p:spPr>
+        <p:txBody>
+          <a:bodyPr vert="horz" wrap="square" lIns="91440" tIns="45720" rIns="91440" bIns="45720" numCol="1" rtlCol="0" anchor="t" anchorCtr="0" compatLnSpc="1">
+            <a:prstTxWarp prst="textNoShape">
+              <a:avLst/>
+            </a:prstTxWarp>
+          </a:bodyPr>
+          <a:lstStyle/>
+          <a:p>
+            <a:pPr marL="0" marR="0" indent="0" algn="l" defTabSz="914400" rtl="0" eaLnBrk="1" fontAlgn="base" latinLnBrk="0" hangingPunct="1">
+              <a:lnSpc>
+                <a:spcPct val="100000"/>
+              </a:lnSpc>
+              <a:spcBef>
+                <a:spcPct val="0"/>
+              </a:spcBef>
+              <a:spcAft>
+                <a:spcPct val="0"/>
+              </a:spcAft>
+              <a:buClrTx/>
+              <a:buSzTx/>
+              <a:buFontTx/>
+              <a:buNone/>
+              <a:tabLst/>
+            </a:pPr>
+            <a:endParaRPr kumimoji="1" lang="zh-TW" altLang="en-US" sz="1800" b="1" i="0" u="none" strike="noStrike" cap="none" normalizeH="0" baseline="0">
+              <a:ln>
+                <a:noFill/>
+              </a:ln>
+              <a:solidFill>
+                <a:schemeClr val="tx1"/>
+              </a:solidFill>
+              <a:effectLst/>
+              <a:latin typeface="Verdana" panose="020B0604030504040204" pitchFamily="34" charset="0"/>
+              <a:ea typeface="新細明體" panose="02020500000000000000" pitchFamily="18" charset="-120"/>
+            </a:endParaRPr>
           </a:p>
         </p:txBody>
       </p:sp>
@@ -18848,6 +18972,282 @@
           <a:chExt cx="0" cy="0"/>
         </a:xfrm>
       </p:grpSpPr>
+      <p:sp>
+        <p:nvSpPr>
+          <p:cNvPr id="31" name="內容版面配置區 2">
+            <a:extLst>
+              <a:ext uri="{FF2B5EF4-FFF2-40B4-BE49-F238E27FC236}">
+                <a16:creationId xmlns:a16="http://schemas.microsoft.com/office/drawing/2014/main" id="{AAA098F2-9180-6153-AEA2-355D1B5A0839}"/>
+              </a:ext>
+            </a:extLst>
+          </p:cNvPr>
+          <p:cNvSpPr txBox="1">
+            <a:spLocks/>
+          </p:cNvSpPr>
+          <p:nvPr/>
+        </p:nvSpPr>
+        <p:spPr bwMode="auto">
+          <a:xfrm>
+            <a:off x="457200" y="1600200"/>
+            <a:ext cx="8229600" cy="4852988"/>
+          </a:xfrm>
+          <a:prstGeom prst="rect">
+            <a:avLst/>
+          </a:prstGeom>
+          <a:noFill/>
+          <a:ln>
+            <a:noFill/>
+          </a:ln>
+          <a:effectLst/>
+          <a:extLst>
+            <a:ext uri="{909E8E84-426E-40DD-AFC4-6F175D3DCCD1}">
+              <a14:hiddenFill xmlns:a14="http://schemas.microsoft.com/office/drawing/2010/main">
+                <a:solidFill>
+                  <a:schemeClr val="accent1"/>
+                </a:solidFill>
+              </a14:hiddenFill>
+            </a:ext>
+            <a:ext uri="{91240B29-F687-4F45-9708-019B960494DF}">
+              <a14:hiddenLine xmlns:a14="http://schemas.microsoft.com/office/drawing/2010/main" w="9525">
+                <a:solidFill>
+                  <a:schemeClr val="tx1"/>
+                </a:solidFill>
+                <a:miter lim="800000"/>
+                <a:headEnd/>
+                <a:tailEnd/>
+              </a14:hiddenLine>
+            </a:ext>
+            <a:ext uri="{AF507438-7753-43E0-B8FC-AC1667EBCBE1}">
+              <a14:hiddenEffects xmlns:a14="http://schemas.microsoft.com/office/drawing/2010/main">
+                <a:effectLst>
+                  <a:outerShdw dist="35921" dir="2700000" algn="ctr" rotWithShape="0">
+                    <a:schemeClr val="bg2"/>
+                  </a:outerShdw>
+                </a:effectLst>
+              </a14:hiddenEffects>
+            </a:ext>
+          </a:extLst>
+        </p:spPr>
+        <p:txBody>
+          <a:bodyPr vert="horz" wrap="square" lIns="91440" tIns="45720" rIns="91440" bIns="45720" numCol="1" anchor="t" anchorCtr="0" compatLnSpc="1">
+            <a:prstTxWarp prst="textNoShape">
+              <a:avLst/>
+            </a:prstTxWarp>
+          </a:bodyPr>
+          <a:lstStyle>
+            <a:lvl1pPr marL="342900" indent="-342900" algn="l" rtl="0" eaLnBrk="0" fontAlgn="base" hangingPunct="0">
+              <a:spcBef>
+                <a:spcPct val="20000"/>
+              </a:spcBef>
+              <a:spcAft>
+                <a:spcPct val="0"/>
+              </a:spcAft>
+              <a:buClr>
+                <a:srgbClr val="669900"/>
+              </a:buClr>
+              <a:buFont typeface="Wingdings" panose="05000000000000000000" pitchFamily="2" charset="2"/>
+              <a:buChar char="p"/>
+              <a:defRPr kumimoji="1" sz="2800" kern="1200">
+                <a:solidFill>
+                  <a:schemeClr val="tx1"/>
+                </a:solidFill>
+                <a:latin typeface="+mn-lt"/>
+                <a:ea typeface="+mn-ea"/>
+                <a:cs typeface="+mn-cs"/>
+              </a:defRPr>
+            </a:lvl1pPr>
+            <a:lvl2pPr marL="742950" indent="-285750" algn="l" rtl="0" eaLnBrk="0" fontAlgn="base" hangingPunct="0">
+              <a:spcBef>
+                <a:spcPct val="20000"/>
+              </a:spcBef>
+              <a:spcAft>
+                <a:spcPct val="0"/>
+              </a:spcAft>
+              <a:buClr>
+                <a:srgbClr val="669900"/>
+              </a:buClr>
+              <a:buFont typeface="Wingdings" panose="05000000000000000000" pitchFamily="2" charset="2"/>
+              <a:buChar char="n"/>
+              <a:defRPr kumimoji="1" sz="2400" kern="1200">
+                <a:solidFill>
+                  <a:schemeClr val="tx1"/>
+                </a:solidFill>
+                <a:latin typeface="+mn-lt"/>
+                <a:ea typeface="+mn-ea"/>
+                <a:cs typeface="+mn-cs"/>
+              </a:defRPr>
+            </a:lvl2pPr>
+            <a:lvl3pPr marL="1143000" indent="-228600" algn="l" rtl="0" eaLnBrk="0" fontAlgn="base" hangingPunct="0">
+              <a:spcBef>
+                <a:spcPct val="20000"/>
+              </a:spcBef>
+              <a:spcAft>
+                <a:spcPct val="0"/>
+              </a:spcAft>
+              <a:buClr>
+                <a:srgbClr val="669900"/>
+              </a:buClr>
+              <a:buFont typeface="Wingdings" panose="05000000000000000000" pitchFamily="2" charset="2"/>
+              <a:buChar char="p"/>
+              <a:defRPr kumimoji="1" sz="2000" kern="1200">
+                <a:solidFill>
+                  <a:schemeClr val="tx1"/>
+                </a:solidFill>
+                <a:latin typeface="+mn-lt"/>
+                <a:ea typeface="+mn-ea"/>
+                <a:cs typeface="+mn-cs"/>
+              </a:defRPr>
+            </a:lvl3pPr>
+            <a:lvl4pPr marL="1600200" indent="-228600" algn="l" rtl="0" eaLnBrk="0" fontAlgn="base" hangingPunct="0">
+              <a:spcBef>
+                <a:spcPct val="20000"/>
+              </a:spcBef>
+              <a:spcAft>
+                <a:spcPct val="0"/>
+              </a:spcAft>
+              <a:buClr>
+                <a:srgbClr val="669900"/>
+              </a:buClr>
+              <a:buFont typeface="Wingdings" panose="05000000000000000000" pitchFamily="2" charset="2"/>
+              <a:buChar char="§"/>
+              <a:defRPr kumimoji="1" kern="1200">
+                <a:solidFill>
+                  <a:schemeClr val="tx1"/>
+                </a:solidFill>
+                <a:latin typeface="+mn-lt"/>
+                <a:ea typeface="+mn-ea"/>
+                <a:cs typeface="+mn-cs"/>
+              </a:defRPr>
+            </a:lvl4pPr>
+            <a:lvl5pPr marL="2057400" indent="-228600" algn="l" rtl="0" eaLnBrk="0" fontAlgn="base" hangingPunct="0">
+              <a:spcBef>
+                <a:spcPct val="20000"/>
+              </a:spcBef>
+              <a:spcAft>
+                <a:spcPct val="0"/>
+              </a:spcAft>
+              <a:buClr>
+                <a:srgbClr val="669900"/>
+              </a:buClr>
+              <a:buFont typeface="Wingdings" panose="05000000000000000000" pitchFamily="2" charset="2"/>
+              <a:buChar char="§"/>
+              <a:defRPr kumimoji="1" kern="1200">
+                <a:solidFill>
+                  <a:schemeClr val="tx1"/>
+                </a:solidFill>
+                <a:latin typeface="+mn-lt"/>
+                <a:ea typeface="+mn-ea"/>
+                <a:cs typeface="+mn-cs"/>
+              </a:defRPr>
+            </a:lvl5pPr>
+            <a:lvl6pPr marL="2514600" indent="-228600" algn="l" defTabSz="914400" rtl="0" eaLnBrk="1" latinLnBrk="0" hangingPunct="1">
+              <a:lnSpc>
+                <a:spcPct val="90000"/>
+              </a:lnSpc>
+              <a:spcBef>
+                <a:spcPts val="500"/>
+              </a:spcBef>
+              <a:buFont typeface="Arial" panose="020B0604020202020204" pitchFamily="34" charset="0"/>
+              <a:buChar char="•"/>
+              <a:defRPr sz="1800" kern="1200">
+                <a:solidFill>
+                  <a:schemeClr val="tx1"/>
+                </a:solidFill>
+                <a:latin typeface="+mn-lt"/>
+                <a:ea typeface="+mn-ea"/>
+                <a:cs typeface="+mn-cs"/>
+              </a:defRPr>
+            </a:lvl6pPr>
+            <a:lvl7pPr marL="2971800" indent="-228600" algn="l" defTabSz="914400" rtl="0" eaLnBrk="1" latinLnBrk="0" hangingPunct="1">
+              <a:lnSpc>
+                <a:spcPct val="90000"/>
+              </a:lnSpc>
+              <a:spcBef>
+                <a:spcPts val="500"/>
+              </a:spcBef>
+              <a:buFont typeface="Arial" panose="020B0604020202020204" pitchFamily="34" charset="0"/>
+              <a:buChar char="•"/>
+              <a:defRPr sz="1800" kern="1200">
+                <a:solidFill>
+                  <a:schemeClr val="tx1"/>
+                </a:solidFill>
+                <a:latin typeface="+mn-lt"/>
+                <a:ea typeface="+mn-ea"/>
+                <a:cs typeface="+mn-cs"/>
+              </a:defRPr>
+            </a:lvl7pPr>
+            <a:lvl8pPr marL="3429000" indent="-228600" algn="l" defTabSz="914400" rtl="0" eaLnBrk="1" latinLnBrk="0" hangingPunct="1">
+              <a:lnSpc>
+                <a:spcPct val="90000"/>
+              </a:lnSpc>
+              <a:spcBef>
+                <a:spcPts val="500"/>
+              </a:spcBef>
+              <a:buFont typeface="Arial" panose="020B0604020202020204" pitchFamily="34" charset="0"/>
+              <a:buChar char="•"/>
+              <a:defRPr sz="1800" kern="1200">
+                <a:solidFill>
+                  <a:schemeClr val="tx1"/>
+                </a:solidFill>
+                <a:latin typeface="+mn-lt"/>
+                <a:ea typeface="+mn-ea"/>
+                <a:cs typeface="+mn-cs"/>
+              </a:defRPr>
+            </a:lvl8pPr>
+            <a:lvl9pPr marL="3886200" indent="-228600" algn="l" defTabSz="914400" rtl="0" eaLnBrk="1" latinLnBrk="0" hangingPunct="1">
+              <a:lnSpc>
+                <a:spcPct val="90000"/>
+              </a:lnSpc>
+              <a:spcBef>
+                <a:spcPts val="500"/>
+              </a:spcBef>
+              <a:buFont typeface="Arial" panose="020B0604020202020204" pitchFamily="34" charset="0"/>
+              <a:buChar char="•"/>
+              <a:defRPr sz="1800" kern="1200">
+                <a:solidFill>
+                  <a:schemeClr val="tx1"/>
+                </a:solidFill>
+                <a:latin typeface="+mn-lt"/>
+                <a:ea typeface="+mn-ea"/>
+                <a:cs typeface="+mn-cs"/>
+              </a:defRPr>
+            </a:lvl9pPr>
+          </a:lstStyle>
+          <a:p>
+            <a:pPr lvl="1"/>
+            <a:r>
+              <a:rPr lang="en-US" altLang="zh-TW" b="0" dirty="0"/>
+              <a:t>Noise-aware training</a:t>
+            </a:r>
+          </a:p>
+          <a:p>
+            <a:pPr lvl="2"/>
+            <a:r>
+              <a:rPr lang="en-US" altLang="zh-TW" b="0" dirty="0"/>
+              <a:t>Noise of analog circuits could hazard our performance</a:t>
+            </a:r>
+          </a:p>
+          <a:p>
+            <a:pPr lvl="2"/>
+            <a:r>
+              <a:rPr lang="en-US" altLang="zh-TW" b="0" dirty="0"/>
+              <a:t>Inject noise into model to make it noise-resistant</a:t>
+            </a:r>
+          </a:p>
+          <a:p>
+            <a:pPr lvl="2"/>
+            <a:endParaRPr lang="en-US" altLang="zh-TW" b="0" dirty="0"/>
+          </a:p>
+          <a:p>
+            <a:pPr lvl="2"/>
+            <a:endParaRPr lang="en-US" altLang="zh-TW" b="0" dirty="0"/>
+          </a:p>
+          <a:p>
+            <a:pPr lvl="1"/>
+            <a:endParaRPr lang="en-US" altLang="zh-TW" b="0" dirty="0"/>
+          </a:p>
+        </p:txBody>
+      </p:sp>
       <p:pic>
         <p:nvPicPr>
           <p:cNvPr id="8" name="圖片 7">
@@ -18892,8 +19292,8 @@
         </p:nvSpPr>
         <p:spPr>
           <a:xfrm>
-            <a:off x="6014652" y="4494314"/>
-            <a:ext cx="1239778" cy="584775"/>
+            <a:off x="6002852" y="4365104"/>
+            <a:ext cx="1233444" cy="584775"/>
           </a:xfrm>
           <a:prstGeom prst="rect">
             <a:avLst/>
@@ -18924,13 +19324,16 @@
               </a:ext>
             </a:extLst>
           </p:cNvPr>
-          <p:cNvCxnSpPr/>
+          <p:cNvCxnSpPr>
+            <a:cxnSpLocks/>
+            <a:stCxn id="20" idx="3"/>
+          </p:cNvCxnSpPr>
           <p:nvPr/>
         </p:nvCxnSpPr>
         <p:spPr bwMode="auto">
           <a:xfrm flipV="1">
-            <a:off x="7464147" y="4390300"/>
-            <a:ext cx="312813" cy="295007"/>
+            <a:off x="7236296" y="4261090"/>
+            <a:ext cx="528864" cy="396402"/>
           </a:xfrm>
           <a:prstGeom prst="straightConnector1">
             <a:avLst/>
@@ -19051,282 +19454,6 @@
           </a:extLst>
         </p:spPr>
       </p:cxnSp>
-      <p:sp>
-        <p:nvSpPr>
-          <p:cNvPr id="31" name="內容版面配置區 2">
-            <a:extLst>
-              <a:ext uri="{FF2B5EF4-FFF2-40B4-BE49-F238E27FC236}">
-                <a16:creationId xmlns:a16="http://schemas.microsoft.com/office/drawing/2014/main" id="{AAA098F2-9180-6153-AEA2-355D1B5A0839}"/>
-              </a:ext>
-            </a:extLst>
-          </p:cNvPr>
-          <p:cNvSpPr txBox="1">
-            <a:spLocks/>
-          </p:cNvSpPr>
-          <p:nvPr/>
-        </p:nvSpPr>
-        <p:spPr bwMode="auto">
-          <a:xfrm>
-            <a:off x="457200" y="1600200"/>
-            <a:ext cx="8229600" cy="4852988"/>
-          </a:xfrm>
-          <a:prstGeom prst="rect">
-            <a:avLst/>
-          </a:prstGeom>
-          <a:noFill/>
-          <a:ln>
-            <a:noFill/>
-          </a:ln>
-          <a:effectLst/>
-          <a:extLst>
-            <a:ext uri="{909E8E84-426E-40DD-AFC4-6F175D3DCCD1}">
-              <a14:hiddenFill xmlns:a14="http://schemas.microsoft.com/office/drawing/2010/main">
-                <a:solidFill>
-                  <a:schemeClr val="accent1"/>
-                </a:solidFill>
-              </a14:hiddenFill>
-            </a:ext>
-            <a:ext uri="{91240B29-F687-4F45-9708-019B960494DF}">
-              <a14:hiddenLine xmlns:a14="http://schemas.microsoft.com/office/drawing/2010/main" w="9525">
-                <a:solidFill>
-                  <a:schemeClr val="tx1"/>
-                </a:solidFill>
-                <a:miter lim="800000"/>
-                <a:headEnd/>
-                <a:tailEnd/>
-              </a14:hiddenLine>
-            </a:ext>
-            <a:ext uri="{AF507438-7753-43E0-B8FC-AC1667EBCBE1}">
-              <a14:hiddenEffects xmlns:a14="http://schemas.microsoft.com/office/drawing/2010/main">
-                <a:effectLst>
-                  <a:outerShdw dist="35921" dir="2700000" algn="ctr" rotWithShape="0">
-                    <a:schemeClr val="bg2"/>
-                  </a:outerShdw>
-                </a:effectLst>
-              </a14:hiddenEffects>
-            </a:ext>
-          </a:extLst>
-        </p:spPr>
-        <p:txBody>
-          <a:bodyPr vert="horz" wrap="square" lIns="91440" tIns="45720" rIns="91440" bIns="45720" numCol="1" anchor="t" anchorCtr="0" compatLnSpc="1">
-            <a:prstTxWarp prst="textNoShape">
-              <a:avLst/>
-            </a:prstTxWarp>
-          </a:bodyPr>
-          <a:lstStyle>
-            <a:lvl1pPr marL="342900" indent="-342900" algn="l" rtl="0" eaLnBrk="0" fontAlgn="base" hangingPunct="0">
-              <a:spcBef>
-                <a:spcPct val="20000"/>
-              </a:spcBef>
-              <a:spcAft>
-                <a:spcPct val="0"/>
-              </a:spcAft>
-              <a:buClr>
-                <a:srgbClr val="669900"/>
-              </a:buClr>
-              <a:buFont typeface="Wingdings" panose="05000000000000000000" pitchFamily="2" charset="2"/>
-              <a:buChar char="p"/>
-              <a:defRPr kumimoji="1" sz="2800" kern="1200">
-                <a:solidFill>
-                  <a:schemeClr val="tx1"/>
-                </a:solidFill>
-                <a:latin typeface="+mn-lt"/>
-                <a:ea typeface="+mn-ea"/>
-                <a:cs typeface="+mn-cs"/>
-              </a:defRPr>
-            </a:lvl1pPr>
-            <a:lvl2pPr marL="742950" indent="-285750" algn="l" rtl="0" eaLnBrk="0" fontAlgn="base" hangingPunct="0">
-              <a:spcBef>
-                <a:spcPct val="20000"/>
-              </a:spcBef>
-              <a:spcAft>
-                <a:spcPct val="0"/>
-              </a:spcAft>
-              <a:buClr>
-                <a:srgbClr val="669900"/>
-              </a:buClr>
-              <a:buFont typeface="Wingdings" panose="05000000000000000000" pitchFamily="2" charset="2"/>
-              <a:buChar char="n"/>
-              <a:defRPr kumimoji="1" sz="2400" kern="1200">
-                <a:solidFill>
-                  <a:schemeClr val="tx1"/>
-                </a:solidFill>
-                <a:latin typeface="+mn-lt"/>
-                <a:ea typeface="+mn-ea"/>
-                <a:cs typeface="+mn-cs"/>
-              </a:defRPr>
-            </a:lvl2pPr>
-            <a:lvl3pPr marL="1143000" indent="-228600" algn="l" rtl="0" eaLnBrk="0" fontAlgn="base" hangingPunct="0">
-              <a:spcBef>
-                <a:spcPct val="20000"/>
-              </a:spcBef>
-              <a:spcAft>
-                <a:spcPct val="0"/>
-              </a:spcAft>
-              <a:buClr>
-                <a:srgbClr val="669900"/>
-              </a:buClr>
-              <a:buFont typeface="Wingdings" panose="05000000000000000000" pitchFamily="2" charset="2"/>
-              <a:buChar char="p"/>
-              <a:defRPr kumimoji="1" sz="2000" kern="1200">
-                <a:solidFill>
-                  <a:schemeClr val="tx1"/>
-                </a:solidFill>
-                <a:latin typeface="+mn-lt"/>
-                <a:ea typeface="+mn-ea"/>
-                <a:cs typeface="+mn-cs"/>
-              </a:defRPr>
-            </a:lvl3pPr>
-            <a:lvl4pPr marL="1600200" indent="-228600" algn="l" rtl="0" eaLnBrk="0" fontAlgn="base" hangingPunct="0">
-              <a:spcBef>
-                <a:spcPct val="20000"/>
-              </a:spcBef>
-              <a:spcAft>
-                <a:spcPct val="0"/>
-              </a:spcAft>
-              <a:buClr>
-                <a:srgbClr val="669900"/>
-              </a:buClr>
-              <a:buFont typeface="Wingdings" panose="05000000000000000000" pitchFamily="2" charset="2"/>
-              <a:buChar char="§"/>
-              <a:defRPr kumimoji="1" kern="1200">
-                <a:solidFill>
-                  <a:schemeClr val="tx1"/>
-                </a:solidFill>
-                <a:latin typeface="+mn-lt"/>
-                <a:ea typeface="+mn-ea"/>
-                <a:cs typeface="+mn-cs"/>
-              </a:defRPr>
-            </a:lvl4pPr>
-            <a:lvl5pPr marL="2057400" indent="-228600" algn="l" rtl="0" eaLnBrk="0" fontAlgn="base" hangingPunct="0">
-              <a:spcBef>
-                <a:spcPct val="20000"/>
-              </a:spcBef>
-              <a:spcAft>
-                <a:spcPct val="0"/>
-              </a:spcAft>
-              <a:buClr>
-                <a:srgbClr val="669900"/>
-              </a:buClr>
-              <a:buFont typeface="Wingdings" panose="05000000000000000000" pitchFamily="2" charset="2"/>
-              <a:buChar char="§"/>
-              <a:defRPr kumimoji="1" kern="1200">
-                <a:solidFill>
-                  <a:schemeClr val="tx1"/>
-                </a:solidFill>
-                <a:latin typeface="+mn-lt"/>
-                <a:ea typeface="+mn-ea"/>
-                <a:cs typeface="+mn-cs"/>
-              </a:defRPr>
-            </a:lvl5pPr>
-            <a:lvl6pPr marL="2514600" indent="-228600" algn="l" defTabSz="914400" rtl="0" eaLnBrk="1" latinLnBrk="0" hangingPunct="1">
-              <a:lnSpc>
-                <a:spcPct val="90000"/>
-              </a:lnSpc>
-              <a:spcBef>
-                <a:spcPts val="500"/>
-              </a:spcBef>
-              <a:buFont typeface="Arial" panose="020B0604020202020204" pitchFamily="34" charset="0"/>
-              <a:buChar char="•"/>
-              <a:defRPr sz="1800" kern="1200">
-                <a:solidFill>
-                  <a:schemeClr val="tx1"/>
-                </a:solidFill>
-                <a:latin typeface="+mn-lt"/>
-                <a:ea typeface="+mn-ea"/>
-                <a:cs typeface="+mn-cs"/>
-              </a:defRPr>
-            </a:lvl6pPr>
-            <a:lvl7pPr marL="2971800" indent="-228600" algn="l" defTabSz="914400" rtl="0" eaLnBrk="1" latinLnBrk="0" hangingPunct="1">
-              <a:lnSpc>
-                <a:spcPct val="90000"/>
-              </a:lnSpc>
-              <a:spcBef>
-                <a:spcPts val="500"/>
-              </a:spcBef>
-              <a:buFont typeface="Arial" panose="020B0604020202020204" pitchFamily="34" charset="0"/>
-              <a:buChar char="•"/>
-              <a:defRPr sz="1800" kern="1200">
-                <a:solidFill>
-                  <a:schemeClr val="tx1"/>
-                </a:solidFill>
-                <a:latin typeface="+mn-lt"/>
-                <a:ea typeface="+mn-ea"/>
-                <a:cs typeface="+mn-cs"/>
-              </a:defRPr>
-            </a:lvl7pPr>
-            <a:lvl8pPr marL="3429000" indent="-228600" algn="l" defTabSz="914400" rtl="0" eaLnBrk="1" latinLnBrk="0" hangingPunct="1">
-              <a:lnSpc>
-                <a:spcPct val="90000"/>
-              </a:lnSpc>
-              <a:spcBef>
-                <a:spcPts val="500"/>
-              </a:spcBef>
-              <a:buFont typeface="Arial" panose="020B0604020202020204" pitchFamily="34" charset="0"/>
-              <a:buChar char="•"/>
-              <a:defRPr sz="1800" kern="1200">
-                <a:solidFill>
-                  <a:schemeClr val="tx1"/>
-                </a:solidFill>
-                <a:latin typeface="+mn-lt"/>
-                <a:ea typeface="+mn-ea"/>
-                <a:cs typeface="+mn-cs"/>
-              </a:defRPr>
-            </a:lvl8pPr>
-            <a:lvl9pPr marL="3886200" indent="-228600" algn="l" defTabSz="914400" rtl="0" eaLnBrk="1" latinLnBrk="0" hangingPunct="1">
-              <a:lnSpc>
-                <a:spcPct val="90000"/>
-              </a:lnSpc>
-              <a:spcBef>
-                <a:spcPts val="500"/>
-              </a:spcBef>
-              <a:buFont typeface="Arial" panose="020B0604020202020204" pitchFamily="34" charset="0"/>
-              <a:buChar char="•"/>
-              <a:defRPr sz="1800" kern="1200">
-                <a:solidFill>
-                  <a:schemeClr val="tx1"/>
-                </a:solidFill>
-                <a:latin typeface="+mn-lt"/>
-                <a:ea typeface="+mn-ea"/>
-                <a:cs typeface="+mn-cs"/>
-              </a:defRPr>
-            </a:lvl9pPr>
-          </a:lstStyle>
-          <a:p>
-            <a:pPr lvl="1"/>
-            <a:r>
-              <a:rPr lang="en-US" altLang="zh-TW" b="0" dirty="0"/>
-              <a:t>Noise-aware training</a:t>
-            </a:r>
-          </a:p>
-          <a:p>
-            <a:pPr lvl="2"/>
-            <a:r>
-              <a:rPr lang="en-US" altLang="zh-TW" b="0" dirty="0"/>
-              <a:t>Noise of analog circuits could hazard our performance</a:t>
-            </a:r>
-          </a:p>
-          <a:p>
-            <a:pPr lvl="2"/>
-            <a:r>
-              <a:rPr lang="en-US" altLang="zh-TW" b="0" dirty="0"/>
-              <a:t>Inject noise into model to make it noise-resistant</a:t>
-            </a:r>
-          </a:p>
-          <a:p>
-            <a:pPr lvl="2"/>
-            <a:endParaRPr lang="en-US" altLang="zh-TW" b="0" dirty="0"/>
-          </a:p>
-          <a:p>
-            <a:pPr lvl="2"/>
-            <a:endParaRPr lang="en-US" altLang="zh-TW" b="0" dirty="0"/>
-          </a:p>
-          <a:p>
-            <a:pPr lvl="1"/>
-            <a:endParaRPr lang="en-US" altLang="zh-TW" b="0" dirty="0"/>
-          </a:p>
-        </p:txBody>
-      </p:sp>
       <p:sp>
         <p:nvSpPr>
           <p:cNvPr id="2" name="標題 1">
